--- a/ModB-Sem1-Davis-week5.pptx
+++ b/ModB-Sem1-Davis-week5.pptx
@@ -116,6 +116,11 @@
       </a:defRPr>
     </a:lvl9pPr>
   </p:defaultTextStyle>
+  <p:extLst>
+    <p:ext uri="{EFAFB233-063F-42B5-8137-9DF3F51BA10A}">
+      <p15:sldGuideLst xmlns:p15="http://schemas.microsoft.com/office/powerpoint/2012/main"/>
+    </p:ext>
+  </p:extLst>
 </p:presentation>
 </file>
 
@@ -603,7 +608,7 @@
           <a:p>
             <a:fld id="{CC711F0A-896E-4D71-9826-73F7DAFC74B1}" type="datetimeFigureOut">
               <a:rPr lang="en-US" smtClean="0"/>
-              <a:t>10/14/2024</a:t>
+              <a:t>10/20/2024</a:t>
             </a:fld>
             <a:endParaRPr lang="en-US"/>
           </a:p>
@@ -801,7 +806,7 @@
           <a:p>
             <a:fld id="{CC711F0A-896E-4D71-9826-73F7DAFC74B1}" type="datetimeFigureOut">
               <a:rPr lang="en-US" smtClean="0"/>
-              <a:t>10/14/2024</a:t>
+              <a:t>10/20/2024</a:t>
             </a:fld>
             <a:endParaRPr lang="en-US"/>
           </a:p>
@@ -1009,7 +1014,7 @@
           <a:p>
             <a:fld id="{CC711F0A-896E-4D71-9826-73F7DAFC74B1}" type="datetimeFigureOut">
               <a:rPr lang="en-US" smtClean="0"/>
-              <a:t>10/14/2024</a:t>
+              <a:t>10/20/2024</a:t>
             </a:fld>
             <a:endParaRPr lang="en-US"/>
           </a:p>
@@ -1207,7 +1212,7 @@
           <a:p>
             <a:fld id="{CC711F0A-896E-4D71-9826-73F7DAFC74B1}" type="datetimeFigureOut">
               <a:rPr lang="en-US" smtClean="0"/>
-              <a:t>10/14/2024</a:t>
+              <a:t>10/20/2024</a:t>
             </a:fld>
             <a:endParaRPr lang="en-US"/>
           </a:p>
@@ -1482,7 +1487,7 @@
           <a:p>
             <a:fld id="{CC711F0A-896E-4D71-9826-73F7DAFC74B1}" type="datetimeFigureOut">
               <a:rPr lang="en-US" smtClean="0"/>
-              <a:t>10/14/2024</a:t>
+              <a:t>10/20/2024</a:t>
             </a:fld>
             <a:endParaRPr lang="en-US"/>
           </a:p>
@@ -1747,7 +1752,7 @@
           <a:p>
             <a:fld id="{CC711F0A-896E-4D71-9826-73F7DAFC74B1}" type="datetimeFigureOut">
               <a:rPr lang="en-US" smtClean="0"/>
-              <a:t>10/14/2024</a:t>
+              <a:t>10/20/2024</a:t>
             </a:fld>
             <a:endParaRPr lang="en-US"/>
           </a:p>
@@ -2159,7 +2164,7 @@
           <a:p>
             <a:fld id="{CC711F0A-896E-4D71-9826-73F7DAFC74B1}" type="datetimeFigureOut">
               <a:rPr lang="en-US" smtClean="0"/>
-              <a:t>10/14/2024</a:t>
+              <a:t>10/20/2024</a:t>
             </a:fld>
             <a:endParaRPr lang="en-US"/>
           </a:p>
@@ -2300,7 +2305,7 @@
           <a:p>
             <a:fld id="{CC711F0A-896E-4D71-9826-73F7DAFC74B1}" type="datetimeFigureOut">
               <a:rPr lang="en-US" smtClean="0"/>
-              <a:t>10/14/2024</a:t>
+              <a:t>10/20/2024</a:t>
             </a:fld>
             <a:endParaRPr lang="en-US"/>
           </a:p>
@@ -2413,7 +2418,7 @@
           <a:p>
             <a:fld id="{CC711F0A-896E-4D71-9826-73F7DAFC74B1}" type="datetimeFigureOut">
               <a:rPr lang="en-US" smtClean="0"/>
-              <a:t>10/14/2024</a:t>
+              <a:t>10/20/2024</a:t>
             </a:fld>
             <a:endParaRPr lang="en-US"/>
           </a:p>
@@ -2724,7 +2729,7 @@
           <a:p>
             <a:fld id="{CC711F0A-896E-4D71-9826-73F7DAFC74B1}" type="datetimeFigureOut">
               <a:rPr lang="en-US" smtClean="0"/>
-              <a:t>10/14/2024</a:t>
+              <a:t>10/20/2024</a:t>
             </a:fld>
             <a:endParaRPr lang="en-US"/>
           </a:p>
@@ -3012,7 +3017,7 @@
           <a:p>
             <a:fld id="{CC711F0A-896E-4D71-9826-73F7DAFC74B1}" type="datetimeFigureOut">
               <a:rPr lang="en-US" smtClean="0"/>
-              <a:t>10/14/2024</a:t>
+              <a:t>10/20/2024</a:t>
             </a:fld>
             <a:endParaRPr lang="en-US"/>
           </a:p>
@@ -3253,7 +3258,7 @@
           <a:p>
             <a:fld id="{CC711F0A-896E-4D71-9826-73F7DAFC74B1}" type="datetimeFigureOut">
               <a:rPr lang="en-US" smtClean="0"/>
-              <a:t>10/14/2024</a:t>
+              <a:t>10/20/2024</a:t>
             </a:fld>
             <a:endParaRPr lang="en-US"/>
           </a:p>
@@ -3691,7 +3696,10 @@
           <a:bodyPr/>
           <a:lstStyle/>
           <a:p>
-            <a:endParaRPr lang="en-US"/>
+            <a:r>
+              <a:rPr lang="en-US" dirty="0"/>
+              <a:t>ModB-Sem1-Davis-week5</a:t>
+            </a:r>
           </a:p>
         </p:txBody>
       </p:sp>
@@ -3716,7 +3724,10 @@
           <a:bodyPr/>
           <a:lstStyle/>
           <a:p>
-            <a:endParaRPr lang="en-US"/>
+            <a:r>
+              <a:rPr lang="en-US"/>
+              <a:t>Dave Davis</a:t>
+            </a:r>
           </a:p>
         </p:txBody>
       </p:sp>
